--- a/python/presentations/learning_python/12_ceda-error.pptx
+++ b/python/presentations/learning_python/12_ceda-error.pptx
@@ -266,7 +266,7 @@
               <a:pPr>
                 <a:defRPr/>
               </a:pPr>
-              <a:t>18/10/2021</a:t>
+              <a:t>17/11/2021</a:t>
             </a:fld>
             <a:endParaRPr lang="en-GB"/>
           </a:p>
@@ -3809,7 +3809,7 @@
               <a:pPr>
                 <a:defRPr/>
               </a:pPr>
-              <a:t>18/10/2021</a:t>
+              <a:t>17/11/2021</a:t>
             </a:fld>
             <a:endParaRPr lang="en-GB"/>
           </a:p>
@@ -4046,7 +4046,7 @@
               <a:pPr>
                 <a:defRPr/>
               </a:pPr>
-              <a:t>18/10/2021</a:t>
+              <a:t>17/11/2021</a:t>
             </a:fld>
             <a:endParaRPr lang="en-GB"/>
           </a:p>
@@ -4767,7 +4767,7 @@
               <a:pPr>
                 <a:defRPr/>
               </a:pPr>
-              <a:t>18/10/2021</a:t>
+              <a:t>17/11/2021</a:t>
             </a:fld>
             <a:endParaRPr lang="en-GB"/>
           </a:p>
@@ -6667,7 +6667,7 @@
           <a:lstStyle/>
           <a:p>
             <a:r>
-              <a:rPr lang="en-GB" altLang="en-US" b="1"/>
+              <a:rPr lang="en-GB" altLang="en-US" b="1" dirty="0"/>
               <a:t>Further Reading</a:t>
             </a:r>
           </a:p>
@@ -7273,8 +7273,8 @@
         </p:nvSpPr>
         <p:spPr>
           <a:xfrm>
-            <a:off x="457200" y="1196975"/>
-            <a:ext cx="8229600" cy="4525963"/>
+            <a:off x="251520" y="1196975"/>
+            <a:ext cx="8624192" cy="4680297"/>
           </a:xfrm>
         </p:spPr>
         <p:txBody>
@@ -7282,43 +7282,55 @@
           <a:lstStyle/>
           <a:p>
             <a:r>
-              <a:rPr lang="en-GB" altLang="en-US"/>
+              <a:rPr lang="en-GB" altLang="en-US" dirty="0"/>
               <a:t>Even if a statement or expression is syntactically correct, it may cause an error on execution.</a:t>
             </a:r>
           </a:p>
           <a:p>
-            <a:r>
-              <a:rPr lang="en-GB" altLang="en-US"/>
+            <a:endParaRPr lang="en-GB" altLang="en-US" dirty="0"/>
+          </a:p>
+          <a:p>
+            <a:endParaRPr lang="en-GB" altLang="en-US" dirty="0"/>
+          </a:p>
+          <a:p>
+            <a:endParaRPr lang="en-GB" altLang="en-US" dirty="0"/>
+          </a:p>
+          <a:p>
+            <a:endParaRPr lang="en-GB" altLang="en-US" dirty="0"/>
+          </a:p>
+          <a:p>
+            <a:r>
+              <a:rPr lang="en-GB" altLang="en-US" dirty="0"/>
               <a:t>Errors detected during execution are called </a:t>
             </a:r>
             <a:r>
-              <a:rPr lang="en-GB" altLang="en-US" i="1"/>
+              <a:rPr lang="en-GB" altLang="en-US" i="1" dirty="0"/>
               <a:t>exceptions</a:t>
             </a:r>
             <a:r>
-              <a:rPr lang="en-GB" altLang="en-US"/>
+              <a:rPr lang="en-GB" altLang="en-US" dirty="0"/>
               <a:t> and are not unconditionally fatal.</a:t>
             </a:r>
           </a:p>
           <a:p>
             <a:r>
-              <a:rPr lang="en-GB" altLang="en-US"/>
+              <a:rPr lang="en-GB" altLang="en-US" dirty="0"/>
               <a:t>You can </a:t>
             </a:r>
             <a:r>
-              <a:rPr lang="en-GB" altLang="en-US" i="1"/>
+              <a:rPr lang="en-GB" altLang="en-US" i="1" dirty="0"/>
               <a:t>catch</a:t>
             </a:r>
             <a:r>
-              <a:rPr lang="en-GB" altLang="en-US"/>
+              <a:rPr lang="en-GB" altLang="en-US" dirty="0"/>
               <a:t> an exception and decide how to </a:t>
             </a:r>
             <a:r>
-              <a:rPr lang="en-GB" altLang="en-US" i="1"/>
+              <a:rPr lang="en-GB" altLang="en-US" i="1" dirty="0"/>
               <a:t>handle</a:t>
             </a:r>
             <a:r>
-              <a:rPr lang="en-GB" altLang="en-US"/>
+              <a:rPr lang="en-GB" altLang="en-US" dirty="0"/>
               <a:t> it.</a:t>
             </a:r>
           </a:p>
@@ -7347,7 +7359,7 @@
         </p:blipFill>
         <p:spPr bwMode="auto">
           <a:xfrm>
-            <a:off x="1403350" y="3644900"/>
+            <a:off x="1436687" y="1988840"/>
             <a:ext cx="6270625" cy="1728788"/>
           </a:xfrm>
           <a:prstGeom prst="rect">
@@ -7395,6 +7407,9 @@
                     <p:cTn id="3" fill="hold" nodeType="clickPar">
                       <p:stCondLst>
                         <p:cond delay="indefinite"/>
+                        <p:cond evt="onBegin" delay="0">
+                          <p:tn val="2"/>
+                        </p:cond>
                       </p:stCondLst>
                       <p:childTnLst>
                         <p:par>
@@ -7404,7 +7419,7 @@
                             </p:stCondLst>
                             <p:childTnLst>
                               <p:par>
-                                <p:cTn id="5" presetID="1" presetClass="entr" presetSubtype="0" fill="hold" nodeType="clickEffect">
+                                <p:cTn id="5" presetID="1" presetClass="entr" presetSubtype="0" fill="hold" nodeType="withEffect">
                                   <p:stCondLst>
                                     <p:cond delay="0"/>
                                   </p:stCondLst>
@@ -7417,9 +7432,54 @@
                                           </p:stCondLst>
                                         </p:cTn>
                                         <p:tgtEl>
+                                          <p:spTgt spid="14340"/>
+                                        </p:tgtEl>
+                                        <p:attrNameLst>
+                                          <p:attrName>style.visibility</p:attrName>
+                                        </p:attrNameLst>
+                                      </p:cBhvr>
+                                      <p:to>
+                                        <p:strVal val="visible"/>
+                                      </p:to>
+                                    </p:set>
+                                  </p:childTnLst>
+                                </p:cTn>
+                              </p:par>
+                            </p:childTnLst>
+                          </p:cTn>
+                        </p:par>
+                      </p:childTnLst>
+                    </p:cTn>
+                  </p:par>
+                  <p:par>
+                    <p:cTn id="7" fill="hold">
+                      <p:stCondLst>
+                        <p:cond delay="indefinite"/>
+                      </p:stCondLst>
+                      <p:childTnLst>
+                        <p:par>
+                          <p:cTn id="8" fill="hold">
+                            <p:stCondLst>
+                              <p:cond delay="0"/>
+                            </p:stCondLst>
+                            <p:childTnLst>
+                              <p:par>
+                                <p:cTn id="9" presetID="1" presetClass="entr" presetSubtype="0" fill="hold" nodeType="clickEffect">
+                                  <p:stCondLst>
+                                    <p:cond delay="0"/>
+                                  </p:stCondLst>
+                                  <p:childTnLst>
+                                    <p:set>
+                                      <p:cBhvr>
+                                        <p:cTn id="10" dur="1" fill="hold">
+                                          <p:stCondLst>
+                                            <p:cond delay="0"/>
+                                          </p:stCondLst>
+                                        </p:cTn>
+                                        <p:tgtEl>
                                           <p:spTgt spid="6147">
                                             <p:txEl>
-                                              <p:pRg st="1" end="1"/>
+                                              <p:pRg st="5" end="5"/>
                                             </p:txEl>
                                           </p:spTgt>
                                         </p:tgtEl>
@@ -7441,26 +7501,26 @@
                     </p:cTn>
                   </p:par>
                   <p:par>
-                    <p:cTn id="7" fill="hold" nodeType="clickPar">
+                    <p:cTn id="11" fill="hold" nodeType="clickPar">
                       <p:stCondLst>
                         <p:cond delay="indefinite"/>
                       </p:stCondLst>
                       <p:childTnLst>
                         <p:par>
-                          <p:cTn id="8" fill="hold" nodeType="withGroup">
+                          <p:cTn id="12" fill="hold" nodeType="withGroup">
                             <p:stCondLst>
                               <p:cond delay="0"/>
                             </p:stCondLst>
                             <p:childTnLst>
                               <p:par>
-                                <p:cTn id="9" presetID="1" presetClass="entr" presetSubtype="0" fill="hold" nodeType="clickEffect">
+                                <p:cTn id="13" presetID="1" presetClass="entr" presetSubtype="0" fill="hold" nodeType="clickEffect">
                                   <p:stCondLst>
                                     <p:cond delay="0"/>
                                   </p:stCondLst>
                                   <p:childTnLst>
                                     <p:set>
                                       <p:cBhvr>
-                                        <p:cTn id="10" dur="1" fill="hold">
+                                        <p:cTn id="14" dur="1" fill="hold">
                                           <p:stCondLst>
                                             <p:cond delay="0"/>
                                           </p:stCondLst>
@@ -7468,7 +7528,7 @@
                                         <p:tgtEl>
                                           <p:spTgt spid="6147">
                                             <p:txEl>
-                                              <p:pRg st="2" end="2"/>
+                                              <p:pRg st="6" end="6"/>
                                             </p:txEl>
                                           </p:spTgt>
                                         </p:tgtEl>
